--- a/Report.pptx
+++ b/Report.pptx
@@ -207,7 +207,7 @@
           <a:p>
             <a:fld id="{F9B1269D-80DD-41CC-A1A8-073B58FE5616}" type="datetimeFigureOut">
               <a:rPr lang="en-IN" smtClean="0"/>
-              <a:t>27-08-2024</a:t>
+              <a:t>28-08-2024</a:t>
             </a:fld>
             <a:endParaRPr lang="en-IN"/>
           </a:p>
@@ -786,7 +786,7 @@
           <a:p>
             <a:fld id="{97130236-8BD5-4A27-8AD8-C66904588DDD}" type="datetimeFigureOut">
               <a:rPr lang="en-IN" smtClean="0"/>
-              <a:t>27-08-2024</a:t>
+              <a:t>28-08-2024</a:t>
             </a:fld>
             <a:endParaRPr lang="en-IN"/>
           </a:p>
@@ -986,7 +986,7 @@
           <a:p>
             <a:fld id="{97130236-8BD5-4A27-8AD8-C66904588DDD}" type="datetimeFigureOut">
               <a:rPr lang="en-IN" smtClean="0"/>
-              <a:t>27-08-2024</a:t>
+              <a:t>28-08-2024</a:t>
             </a:fld>
             <a:endParaRPr lang="en-IN"/>
           </a:p>
@@ -1196,7 +1196,7 @@
           <a:p>
             <a:fld id="{97130236-8BD5-4A27-8AD8-C66904588DDD}" type="datetimeFigureOut">
               <a:rPr lang="en-IN" smtClean="0"/>
-              <a:t>27-08-2024</a:t>
+              <a:t>28-08-2024</a:t>
             </a:fld>
             <a:endParaRPr lang="en-IN"/>
           </a:p>
@@ -1396,7 +1396,7 @@
           <a:p>
             <a:fld id="{97130236-8BD5-4A27-8AD8-C66904588DDD}" type="datetimeFigureOut">
               <a:rPr lang="en-IN" smtClean="0"/>
-              <a:t>27-08-2024</a:t>
+              <a:t>28-08-2024</a:t>
             </a:fld>
             <a:endParaRPr lang="en-IN"/>
           </a:p>
@@ -1672,7 +1672,7 @@
           <a:p>
             <a:fld id="{97130236-8BD5-4A27-8AD8-C66904588DDD}" type="datetimeFigureOut">
               <a:rPr lang="en-IN" smtClean="0"/>
-              <a:t>27-08-2024</a:t>
+              <a:t>28-08-2024</a:t>
             </a:fld>
             <a:endParaRPr lang="en-IN"/>
           </a:p>
@@ -1940,7 +1940,7 @@
           <a:p>
             <a:fld id="{97130236-8BD5-4A27-8AD8-C66904588DDD}" type="datetimeFigureOut">
               <a:rPr lang="en-IN" smtClean="0"/>
-              <a:t>27-08-2024</a:t>
+              <a:t>28-08-2024</a:t>
             </a:fld>
             <a:endParaRPr lang="en-IN"/>
           </a:p>
@@ -2355,7 +2355,7 @@
           <a:p>
             <a:fld id="{97130236-8BD5-4A27-8AD8-C66904588DDD}" type="datetimeFigureOut">
               <a:rPr lang="en-IN" smtClean="0"/>
-              <a:t>27-08-2024</a:t>
+              <a:t>28-08-2024</a:t>
             </a:fld>
             <a:endParaRPr lang="en-IN"/>
           </a:p>
@@ -2497,7 +2497,7 @@
           <a:p>
             <a:fld id="{97130236-8BD5-4A27-8AD8-C66904588DDD}" type="datetimeFigureOut">
               <a:rPr lang="en-IN" smtClean="0"/>
-              <a:t>27-08-2024</a:t>
+              <a:t>28-08-2024</a:t>
             </a:fld>
             <a:endParaRPr lang="en-IN"/>
           </a:p>
@@ -2610,7 +2610,7 @@
           <a:p>
             <a:fld id="{97130236-8BD5-4A27-8AD8-C66904588DDD}" type="datetimeFigureOut">
               <a:rPr lang="en-IN" smtClean="0"/>
-              <a:t>27-08-2024</a:t>
+              <a:t>28-08-2024</a:t>
             </a:fld>
             <a:endParaRPr lang="en-IN"/>
           </a:p>
@@ -2923,7 +2923,7 @@
           <a:p>
             <a:fld id="{97130236-8BD5-4A27-8AD8-C66904588DDD}" type="datetimeFigureOut">
               <a:rPr lang="en-IN" smtClean="0"/>
-              <a:t>27-08-2024</a:t>
+              <a:t>28-08-2024</a:t>
             </a:fld>
             <a:endParaRPr lang="en-IN"/>
           </a:p>
@@ -3212,7 +3212,7 @@
           <a:p>
             <a:fld id="{97130236-8BD5-4A27-8AD8-C66904588DDD}" type="datetimeFigureOut">
               <a:rPr lang="en-IN" smtClean="0"/>
-              <a:t>27-08-2024</a:t>
+              <a:t>28-08-2024</a:t>
             </a:fld>
             <a:endParaRPr lang="en-IN"/>
           </a:p>
@@ -3455,7 +3455,7 @@
           <a:p>
             <a:fld id="{97130236-8BD5-4A27-8AD8-C66904588DDD}" type="datetimeFigureOut">
               <a:rPr lang="en-IN" smtClean="0"/>
-              <a:t>27-08-2024</a:t>
+              <a:t>28-08-2024</a:t>
             </a:fld>
             <a:endParaRPr lang="en-IN"/>
           </a:p>
@@ -5418,10 +5418,10 @@
       </p:sp>
       <p:grpSp>
         <p:nvGrpSpPr>
-          <p:cNvPr id="9" name="Group 8">
-            <a:extLst>
-              <a:ext uri="{FF2B5EF4-FFF2-40B4-BE49-F238E27FC236}">
-                <a16:creationId xmlns:a16="http://schemas.microsoft.com/office/drawing/2014/main" id="{82B78F6F-89C9-3A6F-C24D-34F4B3444A0D}"/>
+          <p:cNvPr id="3" name="Group 2">
+            <a:extLst>
+              <a:ext uri="{FF2B5EF4-FFF2-40B4-BE49-F238E27FC236}">
+                <a16:creationId xmlns:a16="http://schemas.microsoft.com/office/drawing/2014/main" id="{F7AD1AC9-9654-AB23-A192-EEA053B3D910}"/>
               </a:ext>
             </a:extLst>
           </p:cNvPr>
@@ -5430,10 +5430,10 @@
         </p:nvGrpSpPr>
         <p:grpSpPr>
           <a:xfrm>
-            <a:off x="6894217" y="1207623"/>
-            <a:ext cx="5229057" cy="2757529"/>
-            <a:chOff x="6821424" y="1110383"/>
-            <a:chExt cx="5229057" cy="2757529"/>
+            <a:off x="7198074" y="1225911"/>
+            <a:ext cx="4215743" cy="2888889"/>
+            <a:chOff x="6894217" y="1207623"/>
+            <a:chExt cx="4215743" cy="2888889"/>
           </a:xfrm>
         </p:grpSpPr>
         <p:sp>
@@ -5450,8 +5450,8 @@
           </p:nvSpPr>
           <p:spPr>
             <a:xfrm>
-              <a:off x="6821424" y="1110383"/>
-              <a:ext cx="5229057" cy="2757529"/>
+              <a:off x="6894217" y="1207623"/>
+              <a:ext cx="4215743" cy="2888889"/>
             </a:xfrm>
             <a:prstGeom prst="rect">
               <a:avLst/>
@@ -5492,32 +5492,49 @@
         </p:sp>
         <p:pic>
           <p:nvPicPr>
-            <p:cNvPr id="7" name="Picture 6">
+            <p:cNvPr id="1026" name="Picture 2">
               <a:extLst>
                 <a:ext uri="{FF2B5EF4-FFF2-40B4-BE49-F238E27FC236}">
-                  <a16:creationId xmlns:a16="http://schemas.microsoft.com/office/drawing/2014/main" id="{CA2716FD-ABDF-0C7C-4B09-4CE60692A711}"/>
+                  <a16:creationId xmlns:a16="http://schemas.microsoft.com/office/drawing/2014/main" id="{E65BAEFC-EE8D-00B3-FAB5-8294661723C7}"/>
                 </a:ext>
               </a:extLst>
             </p:cNvPr>
             <p:cNvPicPr>
-              <a:picLocks noChangeAspect="1"/>
+              <a:picLocks noChangeAspect="1" noChangeArrowheads="1"/>
             </p:cNvPicPr>
             <p:nvPr/>
           </p:nvPicPr>
           <p:blipFill>
-            <a:blip r:embed="rId4"/>
+            <a:blip r:embed="rId4">
+              <a:extLst>
+                <a:ext uri="{28A0092B-C50C-407E-A947-70E740481C1C}">
+                  <a14:useLocalDpi xmlns:a14="http://schemas.microsoft.com/office/drawing/2010/main" val="0"/>
+                </a:ext>
+              </a:extLst>
+            </a:blip>
+            <a:srcRect/>
             <a:stretch>
               <a:fillRect/>
             </a:stretch>
           </p:blipFill>
-          <p:spPr>
+          <p:spPr bwMode="auto">
             <a:xfrm>
-              <a:off x="6905319" y="1176533"/>
-              <a:ext cx="5052578" cy="2609084"/>
+              <a:off x="7005549" y="1306534"/>
+              <a:ext cx="3976395" cy="2662193"/>
             </a:xfrm>
             <a:prstGeom prst="rect">
               <a:avLst/>
             </a:prstGeom>
+            <a:noFill/>
+            <a:extLst>
+              <a:ext uri="{909E8E84-426E-40DD-AFC4-6F175D3DCCD1}">
+                <a14:hiddenFill xmlns:a14="http://schemas.microsoft.com/office/drawing/2010/main">
+                  <a:solidFill>
+                    <a:srgbClr val="FFFFFF"/>
+                  </a:solidFill>
+                </a14:hiddenFill>
+              </a:ext>
+            </a:extLst>
           </p:spPr>
         </p:pic>
       </p:grpSp>
